--- a/test.pptx
+++ b/test.pptx
@@ -2415,13 +2415,26 @@
           <a:lstStyle/>
           <a:p>
             <a:r>
-              <a:rPr lang="en-US" sz="4800" dirty="0">
+              <a:rPr lang="en-US" sz="4800" dirty="0" err="1">
                 <a:solidFill>
                   <a:schemeClr val="bg1"/>
                 </a:solidFill>
               </a:rPr>
-              <a:t>Welcome to PowerPoint</a:t>
-            </a:r>
+              <a:t>l;kasjd;lfsjdf</a:t>
+            </a:r>
+            <a:r>
+              <a:rPr lang="en-US" sz="4800">
+                <a:solidFill>
+                  <a:schemeClr val="bg1"/>
+                </a:solidFill>
+              </a:rPr>
+              <a:t>;</a:t>
+            </a:r>
+            <a:endParaRPr lang="en-US" sz="4800" dirty="0">
+              <a:solidFill>
+                <a:schemeClr val="bg1"/>
+              </a:solidFill>
+            </a:endParaRPr>
           </a:p>
         </p:txBody>
       </p:sp>
